--- a/qt_GSGU/第二章 Widgets体系/00ppt/2.5 QSS-控件也爱美.pptx
+++ b/qt_GSGU/第二章 Widgets体系/00ppt/2.5 QSS-控件也爱美.pptx
@@ -5,7 +5,7 @@
     <p:sldMasterId id="2147483648" r:id="rId1"/>
   </p:sldMasterIdLst>
   <p:notesMasterIdLst>
-    <p:notesMasterId r:id="rId17"/>
+    <p:notesMasterId r:id="rId18"/>
   </p:notesMasterIdLst>
   <p:sldIdLst>
     <p:sldId id="256" r:id="rId2"/>
@@ -22,7 +22,8 @@
     <p:sldId id="273" r:id="rId13"/>
     <p:sldId id="274" r:id="rId14"/>
     <p:sldId id="275" r:id="rId15"/>
-    <p:sldId id="263" r:id="rId16"/>
+    <p:sldId id="276" r:id="rId16"/>
+    <p:sldId id="263" r:id="rId17"/>
   </p:sldIdLst>
   <p:sldSz cx="12192000" cy="6858000"/>
   <p:notesSz cx="6858000" cy="9144000"/>
@@ -211,7 +212,7 @@
           <a:p>
             <a:fld id="{A653468F-90F5-4420-ABF2-E178034558AE}" type="datetimeFigureOut">
               <a:rPr lang="zh-CN" altLang="en-US" smtClean="0"/>
-              <a:t>2022/11/17</a:t>
+              <a:t>2022/11/18</a:t>
             </a:fld>
             <a:endParaRPr lang="zh-CN" altLang="en-US"/>
           </a:p>
@@ -1109,7 +1110,7 @@
           <a:p>
             <a:fld id="{BFCA20BC-3DB5-49D1-845C-1F65802E4C8F}" type="datetimeFigureOut">
               <a:rPr lang="zh-CN" altLang="en-US" smtClean="0"/>
-              <a:t>2022/11/17</a:t>
+              <a:t>2022/11/18</a:t>
             </a:fld>
             <a:endParaRPr lang="zh-CN" altLang="en-US"/>
           </a:p>
@@ -1307,7 +1308,7 @@
           <a:p>
             <a:fld id="{BFCA20BC-3DB5-49D1-845C-1F65802E4C8F}" type="datetimeFigureOut">
               <a:rPr lang="zh-CN" altLang="en-US" smtClean="0"/>
-              <a:t>2022/11/17</a:t>
+              <a:t>2022/11/18</a:t>
             </a:fld>
             <a:endParaRPr lang="zh-CN" altLang="en-US"/>
           </a:p>
@@ -1515,7 +1516,7 @@
           <a:p>
             <a:fld id="{BFCA20BC-3DB5-49D1-845C-1F65802E4C8F}" type="datetimeFigureOut">
               <a:rPr lang="zh-CN" altLang="en-US" smtClean="0"/>
-              <a:t>2022/11/17</a:t>
+              <a:t>2022/11/18</a:t>
             </a:fld>
             <a:endParaRPr lang="zh-CN" altLang="en-US"/>
           </a:p>
@@ -1713,7 +1714,7 @@
           <a:p>
             <a:fld id="{BFCA20BC-3DB5-49D1-845C-1F65802E4C8F}" type="datetimeFigureOut">
               <a:rPr lang="zh-CN" altLang="en-US" smtClean="0"/>
-              <a:t>2022/11/17</a:t>
+              <a:t>2022/11/18</a:t>
             </a:fld>
             <a:endParaRPr lang="zh-CN" altLang="en-US"/>
           </a:p>
@@ -1988,7 +1989,7 @@
           <a:p>
             <a:fld id="{BFCA20BC-3DB5-49D1-845C-1F65802E4C8F}" type="datetimeFigureOut">
               <a:rPr lang="zh-CN" altLang="en-US" smtClean="0"/>
-              <a:t>2022/11/17</a:t>
+              <a:t>2022/11/18</a:t>
             </a:fld>
             <a:endParaRPr lang="zh-CN" altLang="en-US"/>
           </a:p>
@@ -2253,7 +2254,7 @@
           <a:p>
             <a:fld id="{BFCA20BC-3DB5-49D1-845C-1F65802E4C8F}" type="datetimeFigureOut">
               <a:rPr lang="zh-CN" altLang="en-US" smtClean="0"/>
-              <a:t>2022/11/17</a:t>
+              <a:t>2022/11/18</a:t>
             </a:fld>
             <a:endParaRPr lang="zh-CN" altLang="en-US"/>
           </a:p>
@@ -2665,7 +2666,7 @@
           <a:p>
             <a:fld id="{BFCA20BC-3DB5-49D1-845C-1F65802E4C8F}" type="datetimeFigureOut">
               <a:rPr lang="zh-CN" altLang="en-US" smtClean="0"/>
-              <a:t>2022/11/17</a:t>
+              <a:t>2022/11/18</a:t>
             </a:fld>
             <a:endParaRPr lang="zh-CN" altLang="en-US"/>
           </a:p>
@@ -2806,7 +2807,7 @@
           <a:p>
             <a:fld id="{BFCA20BC-3DB5-49D1-845C-1F65802E4C8F}" type="datetimeFigureOut">
               <a:rPr lang="zh-CN" altLang="en-US" smtClean="0"/>
-              <a:t>2022/11/17</a:t>
+              <a:t>2022/11/18</a:t>
             </a:fld>
             <a:endParaRPr lang="zh-CN" altLang="en-US"/>
           </a:p>
@@ -2919,7 +2920,7 @@
           <a:p>
             <a:fld id="{BFCA20BC-3DB5-49D1-845C-1F65802E4C8F}" type="datetimeFigureOut">
               <a:rPr lang="zh-CN" altLang="en-US" smtClean="0"/>
-              <a:t>2022/11/17</a:t>
+              <a:t>2022/11/18</a:t>
             </a:fld>
             <a:endParaRPr lang="zh-CN" altLang="en-US"/>
           </a:p>
@@ -3230,7 +3231,7 @@
           <a:p>
             <a:fld id="{BFCA20BC-3DB5-49D1-845C-1F65802E4C8F}" type="datetimeFigureOut">
               <a:rPr lang="zh-CN" altLang="en-US" smtClean="0"/>
-              <a:t>2022/11/17</a:t>
+              <a:t>2022/11/18</a:t>
             </a:fld>
             <a:endParaRPr lang="zh-CN" altLang="en-US"/>
           </a:p>
@@ -3518,7 +3519,7 @@
           <a:p>
             <a:fld id="{BFCA20BC-3DB5-49D1-845C-1F65802E4C8F}" type="datetimeFigureOut">
               <a:rPr lang="zh-CN" altLang="en-US" smtClean="0"/>
-              <a:t>2022/11/17</a:t>
+              <a:t>2022/11/18</a:t>
             </a:fld>
             <a:endParaRPr lang="zh-CN" altLang="en-US"/>
           </a:p>
@@ -3759,7 +3760,7 @@
           <a:p>
             <a:fld id="{BFCA20BC-3DB5-49D1-845C-1F65802E4C8F}" type="datetimeFigureOut">
               <a:rPr lang="zh-CN" altLang="en-US" smtClean="0"/>
-              <a:t>2022/11/17</a:t>
+              <a:t>2022/11/18</a:t>
             </a:fld>
             <a:endParaRPr lang="zh-CN" altLang="en-US"/>
           </a:p>
@@ -5802,7 +5803,7 @@
         <p:spPr>
           <a:xfrm>
             <a:off x="7097694" y="2517509"/>
-            <a:ext cx="2625707" cy="307777"/>
+            <a:ext cx="3493366" cy="307777"/>
           </a:xfrm>
           <a:prstGeom prst="rect">
             <a:avLst/>
@@ -5824,6 +5825,16 @@
               <a:defRPr/>
             </a:pPr>
             <a:r>
+              <a:rPr lang="zh-CN" altLang="en-US" sz="1400" i="1" u="sng" dirty="0">
+                <a:solidFill>
+                  <a:srgbClr val="1F4F7D"/>
+                </a:solidFill>
+                <a:latin typeface="微软雅黑" panose="020B0503020204020204" pitchFamily="34" charset="-122"/>
+                <a:ea typeface="微软雅黑" panose="020B0503020204020204" pitchFamily="34" charset="-122"/>
+              </a:rPr>
+              <a:t>伪状态</a:t>
+            </a:r>
+            <a:r>
               <a:rPr lang="zh-CN" altLang="en-US" sz="1400" b="1" i="1" u="sng" dirty="0">
                 <a:solidFill>
                   <a:srgbClr val="1F4F7D"/>
@@ -5831,9 +5842,19 @@
                 <a:latin typeface="微软雅黑" panose="020B0503020204020204" pitchFamily="34" charset="-122"/>
                 <a:ea typeface="微软雅黑" panose="020B0503020204020204" pitchFamily="34" charset="-122"/>
               </a:rPr>
-              <a:t>伪状态不支持逗号这种写法</a:t>
-            </a:r>
-            <a:endParaRPr lang="en-US" altLang="zh-CN" sz="1400" b="1" i="1" u="sng" dirty="0">
+              <a:t>逻辑或</a:t>
+            </a:r>
+            <a:r>
+              <a:rPr lang="zh-CN" altLang="en-US" sz="1400" i="1" u="sng" dirty="0">
+                <a:solidFill>
+                  <a:srgbClr val="1F4F7D"/>
+                </a:solidFill>
+                <a:latin typeface="微软雅黑" panose="020B0503020204020204" pitchFamily="34" charset="-122"/>
+                <a:ea typeface="微软雅黑" panose="020B0503020204020204" pitchFamily="34" charset="-122"/>
+              </a:rPr>
+              <a:t>不支持逗号这种写法</a:t>
+            </a:r>
+            <a:endParaRPr lang="en-US" altLang="zh-CN" sz="1400" i="1" u="sng" dirty="0">
               <a:solidFill>
                 <a:srgbClr val="1F4F7D"/>
               </a:solidFill>
@@ -8516,6 +8537,376 @@
 </file>
 
 <file path=ppt/slides/slide15.xml><?xml version="1.0" encoding="utf-8"?>
+<p:sld xmlns:a="http://schemas.openxmlformats.org/drawingml/2006/main" xmlns:r="http://schemas.openxmlformats.org/officeDocument/2006/relationships" xmlns:p="http://schemas.openxmlformats.org/presentationml/2006/main">
+  <p:cSld>
+    <p:spTree>
+      <p:nvGrpSpPr>
+        <p:cNvPr id="1" name=""/>
+        <p:cNvGrpSpPr/>
+        <p:nvPr/>
+      </p:nvGrpSpPr>
+      <p:grpSpPr>
+        <a:xfrm>
+          <a:off x="0" y="0"/>
+          <a:ext cx="0" cy="0"/>
+          <a:chOff x="0" y="0"/>
+          <a:chExt cx="0" cy="0"/>
+        </a:xfrm>
+      </p:grpSpPr>
+      <p:sp>
+        <p:nvSpPr>
+          <p:cNvPr id="2" name="文本框 1">
+            <a:extLst>
+              <a:ext uri="{FF2B5EF4-FFF2-40B4-BE49-F238E27FC236}">
+                <a16:creationId xmlns:a16="http://schemas.microsoft.com/office/drawing/2014/main" id="{6925C32D-48AE-C4ED-8FFF-DC50BEBB434C}"/>
+              </a:ext>
+            </a:extLst>
+          </p:cNvPr>
+          <p:cNvSpPr txBox="1"/>
+          <p:nvPr/>
+        </p:nvSpPr>
+        <p:spPr>
+          <a:xfrm>
+            <a:off x="344488" y="450850"/>
+            <a:ext cx="1625766" cy="461665"/>
+          </a:xfrm>
+          <a:prstGeom prst="rect">
+            <a:avLst/>
+          </a:prstGeom>
+          <a:noFill/>
+        </p:spPr>
+        <p:txBody>
+          <a:bodyPr wrap="none">
+            <a:spAutoFit/>
+          </a:bodyPr>
+          <a:lstStyle/>
+          <a:p>
+            <a:pPr eaLnBrk="1" hangingPunct="1">
+              <a:lnSpc>
+                <a:spcPct val="100000"/>
+              </a:lnSpc>
+              <a:spcBef>
+                <a:spcPct val="0"/>
+              </a:spcBef>
+              <a:buFontTx/>
+              <a:buNone/>
+            </a:pPr>
+            <a:r>
+              <a:rPr lang="en-US" altLang="zh-CN" sz="2400" b="1" dirty="0">
+                <a:solidFill>
+                  <a:srgbClr val="1F4F7D"/>
+                </a:solidFill>
+                <a:latin typeface="微软雅黑" panose="020B0503020204020204" pitchFamily="34" charset="-122"/>
+                <a:ea typeface="微软雅黑" panose="020B0503020204020204" pitchFamily="34" charset="-122"/>
+              </a:rPr>
+              <a:t>06-Demo</a:t>
+            </a:r>
+            <a:endParaRPr lang="zh-CN" altLang="en-US" sz="2400" b="1" dirty="0">
+              <a:solidFill>
+                <a:srgbClr val="1F4F7D"/>
+              </a:solidFill>
+              <a:latin typeface="微软雅黑" panose="020B0503020204020204" pitchFamily="34" charset="-122"/>
+              <a:ea typeface="微软雅黑" panose="020B0503020204020204" pitchFamily="34" charset="-122"/>
+            </a:endParaRPr>
+          </a:p>
+        </p:txBody>
+      </p:sp>
+      <p:pic>
+        <p:nvPicPr>
+          <p:cNvPr id="7171" name="图片 7" descr="未标题-1">
+            <a:extLst>
+              <a:ext uri="{FF2B5EF4-FFF2-40B4-BE49-F238E27FC236}">
+                <a16:creationId xmlns:a16="http://schemas.microsoft.com/office/drawing/2014/main" id="{96FEF190-0C74-0F7A-3055-13DF0C3556BD}"/>
+              </a:ext>
+            </a:extLst>
+          </p:cNvPr>
+          <p:cNvPicPr>
+            <a:picLocks noChangeAspect="1" noChangeArrowheads="1"/>
+          </p:cNvPicPr>
+          <p:nvPr/>
+        </p:nvPicPr>
+        <p:blipFill>
+          <a:blip r:embed="rId2">
+            <a:extLst>
+              <a:ext uri="{28A0092B-C50C-407E-A947-70E740481C1C}">
+                <a14:useLocalDpi xmlns:a14="http://schemas.microsoft.com/office/drawing/2010/main" val="0"/>
+              </a:ext>
+            </a:extLst>
+          </a:blip>
+          <a:srcRect/>
+          <a:stretch>
+            <a:fillRect/>
+          </a:stretch>
+        </p:blipFill>
+        <p:spPr bwMode="auto">
+          <a:xfrm>
+            <a:off x="496888" y="6323013"/>
+            <a:ext cx="11141075" cy="130175"/>
+          </a:xfrm>
+          <a:prstGeom prst="rect">
+            <a:avLst/>
+          </a:prstGeom>
+          <a:noFill/>
+          <a:ln>
+            <a:noFill/>
+          </a:ln>
+          <a:extLst>
+            <a:ext uri="{909E8E84-426E-40DD-AFC4-6F175D3DCCD1}">
+              <a14:hiddenFill xmlns:a14="http://schemas.microsoft.com/office/drawing/2010/main">
+                <a:solidFill>
+                  <a:srgbClr val="FFFFFF"/>
+                </a:solidFill>
+              </a14:hiddenFill>
+            </a:ext>
+            <a:ext uri="{91240B29-F687-4F45-9708-019B960494DF}">
+              <a14:hiddenLine xmlns:a14="http://schemas.microsoft.com/office/drawing/2010/main" w="9525">
+                <a:solidFill>
+                  <a:srgbClr val="000000"/>
+                </a:solidFill>
+                <a:miter lim="800000"/>
+                <a:headEnd/>
+                <a:tailEnd/>
+              </a14:hiddenLine>
+            </a:ext>
+          </a:extLst>
+        </p:spPr>
+      </p:pic>
+      <p:pic>
+        <p:nvPicPr>
+          <p:cNvPr id="7173" name="图片 1" descr="未标题-1">
+            <a:extLst>
+              <a:ext uri="{FF2B5EF4-FFF2-40B4-BE49-F238E27FC236}">
+                <a16:creationId xmlns:a16="http://schemas.microsoft.com/office/drawing/2014/main" id="{A21F42F3-069C-8361-95BD-27A2267715B4}"/>
+              </a:ext>
+            </a:extLst>
+          </p:cNvPr>
+          <p:cNvPicPr>
+            <a:picLocks noChangeAspect="1" noChangeArrowheads="1"/>
+          </p:cNvPicPr>
+          <p:nvPr/>
+        </p:nvPicPr>
+        <p:blipFill>
+          <a:blip r:embed="rId3">
+            <a:extLst>
+              <a:ext uri="{28A0092B-C50C-407E-A947-70E740481C1C}">
+                <a14:useLocalDpi xmlns:a14="http://schemas.microsoft.com/office/drawing/2010/main" val="0"/>
+              </a:ext>
+            </a:extLst>
+          </a:blip>
+          <a:srcRect/>
+          <a:stretch>
+            <a:fillRect/>
+          </a:stretch>
+        </p:blipFill>
+        <p:spPr bwMode="auto">
+          <a:xfrm>
+            <a:off x="7593013" y="658813"/>
+            <a:ext cx="2716212" cy="128587"/>
+          </a:xfrm>
+          <a:prstGeom prst="rect">
+            <a:avLst/>
+          </a:prstGeom>
+          <a:noFill/>
+          <a:ln>
+            <a:noFill/>
+          </a:ln>
+          <a:extLst>
+            <a:ext uri="{909E8E84-426E-40DD-AFC4-6F175D3DCCD1}">
+              <a14:hiddenFill xmlns:a14="http://schemas.microsoft.com/office/drawing/2010/main">
+                <a:solidFill>
+                  <a:srgbClr val="FFFFFF"/>
+                </a:solidFill>
+              </a14:hiddenFill>
+            </a:ext>
+            <a:ext uri="{91240B29-F687-4F45-9708-019B960494DF}">
+              <a14:hiddenLine xmlns:a14="http://schemas.microsoft.com/office/drawing/2010/main" w="9525">
+                <a:solidFill>
+                  <a:srgbClr val="000000"/>
+                </a:solidFill>
+                <a:miter lim="800000"/>
+                <a:headEnd/>
+                <a:tailEnd/>
+              </a14:hiddenLine>
+            </a:ext>
+          </a:extLst>
+        </p:spPr>
+      </p:pic>
+      <p:pic>
+        <p:nvPicPr>
+          <p:cNvPr id="4" name="图片 3" descr="图标&#10;&#10;描述已自动生成">
+            <a:extLst>
+              <a:ext uri="{FF2B5EF4-FFF2-40B4-BE49-F238E27FC236}">
+                <a16:creationId xmlns:a16="http://schemas.microsoft.com/office/drawing/2014/main" id="{3EEB019C-9179-9447-4386-C3F297DF353D}"/>
+              </a:ext>
+            </a:extLst>
+          </p:cNvPr>
+          <p:cNvPicPr>
+            <a:picLocks noChangeAspect="1"/>
+          </p:cNvPicPr>
+          <p:nvPr/>
+        </p:nvPicPr>
+        <p:blipFill>
+          <a:blip r:embed="rId4">
+            <a:extLst>
+              <a:ext uri="{28A0092B-C50C-407E-A947-70E740481C1C}">
+                <a14:useLocalDpi xmlns:a14="http://schemas.microsoft.com/office/drawing/2010/main" val="0"/>
+              </a:ext>
+            </a:extLst>
+          </a:blip>
+          <a:stretch>
+            <a:fillRect/>
+          </a:stretch>
+        </p:blipFill>
+        <p:spPr>
+          <a:xfrm>
+            <a:off x="10845801" y="501749"/>
+            <a:ext cx="785812" cy="360163"/>
+          </a:xfrm>
+          <a:prstGeom prst="rect">
+            <a:avLst/>
+          </a:prstGeom>
+        </p:spPr>
+      </p:pic>
+      <p:sp>
+        <p:nvSpPr>
+          <p:cNvPr id="7" name="文本框 6">
+            <a:extLst>
+              <a:ext uri="{FF2B5EF4-FFF2-40B4-BE49-F238E27FC236}">
+                <a16:creationId xmlns:a16="http://schemas.microsoft.com/office/drawing/2014/main" id="{B0376BEA-7ACE-69FB-72F5-E925399C1C08}"/>
+              </a:ext>
+            </a:extLst>
+          </p:cNvPr>
+          <p:cNvSpPr txBox="1"/>
+          <p:nvPr/>
+        </p:nvSpPr>
+        <p:spPr>
+          <a:xfrm>
+            <a:off x="745745" y="1266272"/>
+            <a:ext cx="1301716" cy="307777"/>
+          </a:xfrm>
+          <a:prstGeom prst="rect">
+            <a:avLst/>
+          </a:prstGeom>
+          <a:solidFill>
+            <a:schemeClr val="accent3">
+              <a:lumMod val="40000"/>
+              <a:lumOff val="60000"/>
+            </a:schemeClr>
+          </a:solidFill>
+        </p:spPr>
+        <p:txBody>
+          <a:bodyPr wrap="square">
+            <a:spAutoFit/>
+          </a:bodyPr>
+          <a:lstStyle/>
+          <a:p>
+            <a:pPr algn="ctr">
+              <a:defRPr/>
+            </a:pPr>
+            <a:r>
+              <a:rPr lang="en-US" altLang="zh-CN" sz="1400" b="1" dirty="0">
+                <a:solidFill>
+                  <a:srgbClr val="1F4F7D"/>
+                </a:solidFill>
+                <a:latin typeface="微软雅黑" panose="020B0503020204020204" pitchFamily="34" charset="-122"/>
+                <a:ea typeface="微软雅黑" panose="020B0503020204020204" pitchFamily="34" charset="-122"/>
+              </a:rPr>
+              <a:t>VS2017</a:t>
+            </a:r>
+            <a:r>
+              <a:rPr lang="zh-CN" altLang="en-US" sz="1400" b="1" dirty="0">
+                <a:solidFill>
+                  <a:srgbClr val="1F4F7D"/>
+                </a:solidFill>
+                <a:latin typeface="微软雅黑" panose="020B0503020204020204" pitchFamily="34" charset="-122"/>
+                <a:ea typeface="微软雅黑" panose="020B0503020204020204" pitchFamily="34" charset="-122"/>
+              </a:rPr>
+              <a:t>模仿</a:t>
+            </a:r>
+            <a:endParaRPr lang="en-US" altLang="zh-CN" sz="1400" b="1" dirty="0">
+              <a:solidFill>
+                <a:srgbClr val="1F4F7D"/>
+              </a:solidFill>
+              <a:latin typeface="微软雅黑" panose="020B0503020204020204" pitchFamily="34" charset="-122"/>
+              <a:ea typeface="微软雅黑" panose="020B0503020204020204" pitchFamily="34" charset="-122"/>
+            </a:endParaRPr>
+          </a:p>
+        </p:txBody>
+      </p:sp>
+      <p:pic>
+        <p:nvPicPr>
+          <p:cNvPr id="8" name="图片 7">
+            <a:extLst>
+              <a:ext uri="{FF2B5EF4-FFF2-40B4-BE49-F238E27FC236}">
+                <a16:creationId xmlns:a16="http://schemas.microsoft.com/office/drawing/2014/main" id="{32AD096E-D48B-1A68-E1C3-1FE55845CAAA}"/>
+              </a:ext>
+            </a:extLst>
+          </p:cNvPr>
+          <p:cNvPicPr>
+            <a:picLocks noChangeAspect="1"/>
+          </p:cNvPicPr>
+          <p:nvPr/>
+        </p:nvPicPr>
+        <p:blipFill>
+          <a:blip r:embed="rId5"/>
+          <a:stretch>
+            <a:fillRect/>
+          </a:stretch>
+        </p:blipFill>
+        <p:spPr>
+          <a:xfrm>
+            <a:off x="2349500" y="928203"/>
+            <a:ext cx="8356599" cy="5161191"/>
+          </a:xfrm>
+          <a:prstGeom prst="rect">
+            <a:avLst/>
+          </a:prstGeom>
+          <a:solidFill>
+            <a:srgbClr val="FFFFFF">
+              <a:shade val="85000"/>
+            </a:srgbClr>
+          </a:solidFill>
+          <a:ln w="88900" cap="sq">
+            <a:solidFill>
+              <a:srgbClr val="FFFFFF"/>
+            </a:solidFill>
+            <a:miter lim="800000"/>
+          </a:ln>
+          <a:effectLst>
+            <a:outerShdw blurRad="55000" dist="18000" dir="5400000" algn="tl" rotWithShape="0">
+              <a:srgbClr val="000000">
+                <a:alpha val="40000"/>
+              </a:srgbClr>
+            </a:outerShdw>
+          </a:effectLst>
+          <a:scene3d>
+            <a:camera prst="orthographicFront"/>
+            <a:lightRig rig="twoPt" dir="t">
+              <a:rot lat="0" lon="0" rev="7200000"/>
+            </a:lightRig>
+          </a:scene3d>
+          <a:sp3d>
+            <a:bevelT w="25400" h="19050"/>
+            <a:contourClr>
+              <a:srgbClr val="FFFFFF"/>
+            </a:contourClr>
+          </a:sp3d>
+        </p:spPr>
+      </p:pic>
+    </p:spTree>
+    <p:extLst>
+      <p:ext uri="{BB962C8B-B14F-4D97-AF65-F5344CB8AC3E}">
+        <p14:creationId xmlns:p14="http://schemas.microsoft.com/office/powerpoint/2010/main" val="2728815786"/>
+      </p:ext>
+    </p:extLst>
+  </p:cSld>
+  <p:clrMapOvr>
+    <a:masterClrMapping/>
+  </p:clrMapOvr>
+</p:sld>
+</file>
+
+<file path=ppt/slides/slide16.xml><?xml version="1.0" encoding="utf-8"?>
 <p:sld xmlns:a="http://schemas.openxmlformats.org/drawingml/2006/main" xmlns:r="http://schemas.openxmlformats.org/officeDocument/2006/relationships" xmlns:p="http://schemas.openxmlformats.org/presentationml/2006/main">
   <p:cSld>
     <p:spTree>
@@ -16862,7 +17253,7 @@
                 <a:latin typeface="微软雅黑" panose="020B0503020204020204" pitchFamily="34" charset="-122"/>
                 <a:ea typeface="微软雅黑" panose="020B0503020204020204" pitchFamily="34" charset="-122"/>
               </a:rPr>
-              <a:t>，</a:t>
+              <a:t>，所以</a:t>
             </a:r>
             <a:r>
               <a:rPr lang="en-US" altLang="zh-CN" sz="1200" b="1" i="1" u="sng" dirty="0" err="1">
